--- a/Report_Presentation/ForeignAidPresentation.pptx
+++ b/Report_Presentation/ForeignAidPresentation.pptx
@@ -33,7 +33,7 @@
       <p:boldItalic r:id="rId19"/>
     </p:embeddedFont>
     <p:embeddedFont>
-      <p:font typeface="PT Sans Narrow" panose="020F0502020204030204" pitchFamily="34" charset="0"/>
+      <p:font typeface="PT Sans Narrow" panose="020B0506020203020204" pitchFamily="34" charset="0"/>
       <p:regular r:id="rId20"/>
       <p:bold r:id="rId21"/>
     </p:embeddedFont>
@@ -284,6 +284,35 @@
     </p:ext>
   </p:extLst>
 </p:presentation>
+</file>
+
+<file path=ppt/changesInfos/changesInfo1.xml><?xml version="1.0" encoding="utf-8"?>
+<pc:chgInfo xmlns:a="http://schemas.openxmlformats.org/drawingml/2006/main" xmlns:r="http://schemas.openxmlformats.org/officeDocument/2006/relationships" xmlns:ac="http://schemas.microsoft.com/office/drawing/2013/main/command" xmlns:pc="http://schemas.microsoft.com/office/powerpoint/2013/main/command">
+  <pc:docChgLst>
+    <pc:chgData name="Hailey" userId="994e99b1becaa76f" providerId="LiveId" clId="{44C0AD25-E2B4-48E6-AA36-EC81A76DDA2B}"/>
+    <pc:docChg chg="modSld">
+      <pc:chgData name="Hailey" userId="994e99b1becaa76f" providerId="LiveId" clId="{44C0AD25-E2B4-48E6-AA36-EC81A76DDA2B}" dt="2024-08-17T17:57:36.769" v="0" actId="14100"/>
+      <pc:docMkLst>
+        <pc:docMk/>
+      </pc:docMkLst>
+      <pc:sldChg chg="modSp mod">
+        <pc:chgData name="Hailey" userId="994e99b1becaa76f" providerId="LiveId" clId="{44C0AD25-E2B4-48E6-AA36-EC81A76DDA2B}" dt="2024-08-17T17:57:36.769" v="0" actId="14100"/>
+        <pc:sldMkLst>
+          <pc:docMk/>
+          <pc:sldMk cId="0" sldId="265"/>
+        </pc:sldMkLst>
+        <pc:picChg chg="mod">
+          <ac:chgData name="Hailey" userId="994e99b1becaa76f" providerId="LiveId" clId="{44C0AD25-E2B4-48E6-AA36-EC81A76DDA2B}" dt="2024-08-17T17:57:36.769" v="0" actId="14100"/>
+          <ac:picMkLst>
+            <pc:docMk/>
+            <pc:sldMk cId="0" sldId="265"/>
+            <ac:picMk id="134" creationId="{00000000-0000-0000-0000-000000000000}"/>
+          </ac:picMkLst>
+        </pc:picChg>
+      </pc:sldChg>
+    </pc:docChg>
+  </pc:docChgLst>
+</pc:chgInfo>
 </file>
 
 <file path=ppt/notesMasters/notesMaster1.xml><?xml version="1.0" encoding="utf-8"?>
@@ -860,7 +889,7 @@
         </p:nvSpPr>
         <p:spPr>
           <a:xfrm>
-            <a:off x="381300" y="685800"/>
+            <a:off x="381000" y="685800"/>
             <a:ext cx="6096000" cy="3429000"/>
           </a:xfrm>
           <a:custGeom>
@@ -8106,8 +8135,8 @@
         </p:blipFill>
         <p:spPr>
           <a:xfrm>
-            <a:off x="4649442" y="1000022"/>
-            <a:ext cx="4595061" cy="3681584"/>
+            <a:off x="4649443" y="1000022"/>
+            <a:ext cx="4494558" cy="3681584"/>
           </a:xfrm>
           <a:prstGeom prst="rect">
             <a:avLst/>

--- a/Report_Presentation/ForeignAidPresentation.pptx
+++ b/Report_Presentation/ForeignAidPresentation.pptx
@@ -5,7 +5,7 @@
     <p:sldMasterId id="2147483659" r:id="rId1"/>
   </p:sldMasterIdLst>
   <p:notesMasterIdLst>
-    <p:notesMasterId r:id="rId15"/>
+    <p:notesMasterId r:id="rId14"/>
   </p:notesMasterIdLst>
   <p:sldIdLst>
     <p:sldId id="256" r:id="rId2"/>
@@ -20,22 +20,21 @@
     <p:sldId id="265" r:id="rId11"/>
     <p:sldId id="266" r:id="rId12"/>
     <p:sldId id="267" r:id="rId13"/>
-    <p:sldId id="268" r:id="rId14"/>
   </p:sldIdLst>
   <p:sldSz cx="9144000" cy="5143500" type="screen16x9"/>
   <p:notesSz cx="6858000" cy="9144000"/>
   <p:embeddedFontLst>
     <p:embeddedFont>
       <p:font typeface="Open Sans" panose="020B0606030504020204" pitchFamily="34" charset="0"/>
-      <p:regular r:id="rId16"/>
-      <p:bold r:id="rId17"/>
-      <p:italic r:id="rId18"/>
-      <p:boldItalic r:id="rId19"/>
+      <p:regular r:id="rId15"/>
+      <p:bold r:id="rId16"/>
+      <p:italic r:id="rId17"/>
+      <p:boldItalic r:id="rId18"/>
     </p:embeddedFont>
     <p:embeddedFont>
       <p:font typeface="PT Sans Narrow" panose="020B0506020203020204" pitchFamily="34" charset="0"/>
-      <p:regular r:id="rId20"/>
-      <p:bold r:id="rId21"/>
+      <p:regular r:id="rId19"/>
+      <p:bold r:id="rId20"/>
     </p:embeddedFont>
   </p:embeddedFontLst>
   <p:defaultTextStyle>
@@ -284,35 +283,6 @@
     </p:ext>
   </p:extLst>
 </p:presentation>
-</file>
-
-<file path=ppt/changesInfos/changesInfo1.xml><?xml version="1.0" encoding="utf-8"?>
-<pc:chgInfo xmlns:a="http://schemas.openxmlformats.org/drawingml/2006/main" xmlns:r="http://schemas.openxmlformats.org/officeDocument/2006/relationships" xmlns:ac="http://schemas.microsoft.com/office/drawing/2013/main/command" xmlns:pc="http://schemas.microsoft.com/office/powerpoint/2013/main/command">
-  <pc:docChgLst>
-    <pc:chgData name="Hailey" userId="994e99b1becaa76f" providerId="LiveId" clId="{44C0AD25-E2B4-48E6-AA36-EC81A76DDA2B}"/>
-    <pc:docChg chg="modSld">
-      <pc:chgData name="Hailey" userId="994e99b1becaa76f" providerId="LiveId" clId="{44C0AD25-E2B4-48E6-AA36-EC81A76DDA2B}" dt="2024-08-17T17:57:36.769" v="0" actId="14100"/>
-      <pc:docMkLst>
-        <pc:docMk/>
-      </pc:docMkLst>
-      <pc:sldChg chg="modSp mod">
-        <pc:chgData name="Hailey" userId="994e99b1becaa76f" providerId="LiveId" clId="{44C0AD25-E2B4-48E6-AA36-EC81A76DDA2B}" dt="2024-08-17T17:57:36.769" v="0" actId="14100"/>
-        <pc:sldMkLst>
-          <pc:docMk/>
-          <pc:sldMk cId="0" sldId="265"/>
-        </pc:sldMkLst>
-        <pc:picChg chg="mod">
-          <ac:chgData name="Hailey" userId="994e99b1becaa76f" providerId="LiveId" clId="{44C0AD25-E2B4-48E6-AA36-EC81A76DDA2B}" dt="2024-08-17T17:57:36.769" v="0" actId="14100"/>
-          <ac:picMkLst>
-            <pc:docMk/>
-            <pc:sldMk cId="0" sldId="265"/>
-            <ac:picMk id="134" creationId="{00000000-0000-0000-0000-000000000000}"/>
-          </ac:picMkLst>
-        </pc:picChg>
-      </pc:sldChg>
-    </pc:docChg>
-  </pc:docChgLst>
-</pc:chgInfo>
 </file>
 
 <file path=ppt/notesMasters/notesMaster1.xml><?xml version="1.0" encoding="utf-8"?>
@@ -1097,7 +1067,7 @@
         </p:nvSpPr>
         <p:spPr>
           <a:xfrm>
-            <a:off x="381300" y="685800"/>
+            <a:off x="381000" y="685800"/>
             <a:ext cx="6096000" cy="3429000"/>
           </a:xfrm>
           <a:custGeom>
@@ -1129,110 +1099,6 @@
       <p:sp>
         <p:nvSpPr>
           <p:cNvPr id="144" name="Google Shape;144;g2f348cc9888_3_155:notes"/>
-          <p:cNvSpPr txBox="1">
-            <a:spLocks noGrp="1"/>
-          </p:cNvSpPr>
-          <p:nvPr>
-            <p:ph type="body" idx="1"/>
-          </p:nvPr>
-        </p:nvSpPr>
-        <p:spPr>
-          <a:xfrm>
-            <a:off x="685800" y="4343400"/>
-            <a:ext cx="5486400" cy="4114800"/>
-          </a:xfrm>
-          <a:prstGeom prst="rect">
-            <a:avLst/>
-          </a:prstGeom>
-        </p:spPr>
-        <p:txBody>
-          <a:bodyPr spcFirstLastPara="1" wrap="square" lIns="91425" tIns="91425" rIns="91425" bIns="91425" anchor="t" anchorCtr="0">
-            <a:noAutofit/>
-          </a:bodyPr>
-          <a:lstStyle/>
-          <a:p>
-            <a:pPr marL="0" lvl="0" indent="0" algn="l" rtl="0">
-              <a:spcBef>
-                <a:spcPts val="0"/>
-              </a:spcBef>
-              <a:spcAft>
-                <a:spcPts val="0"/>
-              </a:spcAft>
-              <a:buNone/>
-            </a:pPr>
-            <a:endParaRPr/>
-          </a:p>
-        </p:txBody>
-      </p:sp>
-    </p:spTree>
-  </p:cSld>
-  <p:clrMapOvr>
-    <a:masterClrMapping/>
-  </p:clrMapOvr>
-</p:notes>
-</file>
-
-<file path=ppt/notesSlides/notesSlide13.xml><?xml version="1.0" encoding="utf-8"?>
-<p:notes xmlns:a="http://schemas.openxmlformats.org/drawingml/2006/main" xmlns:r="http://schemas.openxmlformats.org/officeDocument/2006/relationships" xmlns:p="http://schemas.openxmlformats.org/presentationml/2006/main" showMasterSp="0" showMasterPhAnim="0">
-  <p:cSld>
-    <p:spTree>
-      <p:nvGrpSpPr>
-        <p:cNvPr id="1" name="Shape 149"/>
-        <p:cNvGrpSpPr/>
-        <p:nvPr/>
-      </p:nvGrpSpPr>
-      <p:grpSpPr>
-        <a:xfrm>
-          <a:off x="0" y="0"/>
-          <a:ext cx="0" cy="0"/>
-          <a:chOff x="0" y="0"/>
-          <a:chExt cx="0" cy="0"/>
-        </a:xfrm>
-      </p:grpSpPr>
-      <p:sp>
-        <p:nvSpPr>
-          <p:cNvPr id="150" name="Google Shape;150;g2f348cc9888_3_83:notes"/>
-          <p:cNvSpPr>
-            <a:spLocks noGrp="1" noRot="1" noChangeAspect="1"/>
-          </p:cNvSpPr>
-          <p:nvPr>
-            <p:ph type="sldImg" idx="2"/>
-          </p:nvPr>
-        </p:nvSpPr>
-        <p:spPr>
-          <a:xfrm>
-            <a:off x="381300" y="685800"/>
-            <a:ext cx="6096000" cy="3429000"/>
-          </a:xfrm>
-          <a:custGeom>
-            <a:avLst/>
-            <a:gdLst/>
-            <a:ahLst/>
-            <a:cxnLst/>
-            <a:rect l="l" t="t" r="r" b="b"/>
-            <a:pathLst>
-              <a:path w="120000" h="120000" extrusionOk="0">
-                <a:moveTo>
-                  <a:pt x="0" y="0"/>
-                </a:moveTo>
-                <a:lnTo>
-                  <a:pt x="120000" y="0"/>
-                </a:lnTo>
-                <a:lnTo>
-                  <a:pt x="120000" y="120000"/>
-                </a:lnTo>
-                <a:lnTo>
-                  <a:pt x="0" y="120000"/>
-                </a:lnTo>
-                <a:close/>
-              </a:path>
-            </a:pathLst>
-          </a:custGeom>
-        </p:spPr>
-      </p:sp>
-      <p:sp>
-        <p:nvSpPr>
-          <p:cNvPr id="151" name="Google Shape;151;g2f348cc9888_3_83:notes"/>
           <p:cNvSpPr txBox="1">
             <a:spLocks noGrp="1"/>
           </p:cNvSpPr>
@@ -8704,7 +8570,7 @@
               <a:buNone/>
             </a:pPr>
             <a:r>
-              <a:rPr lang="en" sz="1250" b="1">
+              <a:rPr lang="en" sz="1250" b="1" dirty="0">
                 <a:solidFill>
                   <a:schemeClr val="accent3"/>
                 </a:solidFill>
@@ -8712,9 +8578,9 @@
                   <a:srgbClr val="FFFFFF"/>
                 </a:highlight>
               </a:rPr>
-              <a:t>Does Foreign Aid have an impact on the mortality rate for population under 5 years old?</a:t>
+              <a:t>Is Foreign Aid dependent on the population size?</a:t>
             </a:r>
-            <a:endParaRPr sz="1250" b="1">
+            <a:endParaRPr sz="1250" b="1" dirty="0">
               <a:solidFill>
                 <a:schemeClr val="accent3"/>
               </a:solidFill>
@@ -8733,7 +8599,7 @@
               </a:spcAft>
               <a:buNone/>
             </a:pPr>
-            <a:endParaRPr sz="1250">
+            <a:endParaRPr sz="1250" dirty="0">
               <a:highlight>
                 <a:srgbClr val="FFFFFF"/>
               </a:highlight>
@@ -8750,7 +8616,7 @@
               <a:buNone/>
             </a:pPr>
             <a:r>
-              <a:rPr lang="en" sz="1250" b="1">
+              <a:rPr lang="en" sz="1250" b="1" dirty="0">
                 <a:highlight>
                   <a:srgbClr val="FFFFFF"/>
                 </a:highlight>
@@ -8758,14 +8624,14 @@
               <a:t>Alternate Hypothesis:</a:t>
             </a:r>
             <a:r>
-              <a:rPr lang="en" sz="1250">
+              <a:rPr lang="en" sz="1250" dirty="0">
                 <a:highlight>
                   <a:srgbClr val="FFFFFF"/>
                 </a:highlight>
               </a:rPr>
-              <a:t> Foreign aid contributions will help reduce the mortality rate for the population under 5 years old.</a:t>
+              <a:t> Foreign aid contributions are distributed base on the size of the population.</a:t>
             </a:r>
-            <a:endParaRPr sz="1250">
+            <a:endParaRPr sz="1250" dirty="0">
               <a:highlight>
                 <a:srgbClr val="FFFFFF"/>
               </a:highlight>
@@ -8781,7 +8647,7 @@
               </a:spcAft>
               <a:buNone/>
             </a:pPr>
-            <a:endParaRPr sz="1250">
+            <a:endParaRPr sz="1250" dirty="0">
               <a:highlight>
                 <a:srgbClr val="FFFFFF"/>
               </a:highlight>
@@ -8801,7 +8667,7 @@
               <a:buNone/>
             </a:pPr>
             <a:r>
-              <a:rPr lang="en" sz="1250" b="1">
+              <a:rPr lang="en" sz="1250" b="1" dirty="0">
                 <a:highlight>
                   <a:srgbClr val="FFFFFF"/>
                 </a:highlight>
@@ -8809,14 +8675,14 @@
               <a:t>Null Hypothesis: </a:t>
             </a:r>
             <a:r>
-              <a:rPr lang="en" sz="1250">
+              <a:rPr lang="en" sz="1250" dirty="0">
                 <a:highlight>
                   <a:srgbClr val="FFFFFF"/>
                 </a:highlight>
               </a:rPr>
-              <a:t>Foreign aid contributions will NOT help reduce the mortality rate for the population under 5 years old.</a:t>
+              <a:t>Foreign aid contributions are NOT distributed based on the size of the population.</a:t>
             </a:r>
-            <a:endParaRPr sz="1250">
+            <a:endParaRPr sz="1250" dirty="0">
               <a:highlight>
                 <a:srgbClr val="FFFFFF"/>
               </a:highlight>
@@ -8835,7 +8701,7 @@
               </a:spcAft>
               <a:buNone/>
             </a:pPr>
-            <a:endParaRPr sz="1250">
+            <a:endParaRPr sz="1250" dirty="0">
               <a:highlight>
                 <a:srgbClr val="FFFFFF"/>
               </a:highlight>
@@ -8855,14 +8721,14 @@
               <a:buNone/>
             </a:pPr>
             <a:r>
-              <a:rPr lang="en" sz="1250">
+              <a:rPr lang="en" sz="1250" dirty="0">
                 <a:highlight>
                   <a:srgbClr val="FFFFFF"/>
                 </a:highlight>
               </a:rPr>
-              <a:t>t-Test Result = -2.540892782599118</a:t>
+              <a:t>t-Test Result = 6.537334990416828</a:t>
             </a:r>
-            <a:endParaRPr sz="1250">
+            <a:endParaRPr sz="1250" dirty="0">
               <a:highlight>
                 <a:srgbClr val="FFFFFF"/>
               </a:highlight>
@@ -8882,14 +8748,22 @@
               <a:buNone/>
             </a:pPr>
             <a:r>
-              <a:rPr lang="en" sz="1250">
+              <a:rPr lang="en" sz="1250" dirty="0">
                 <a:highlight>
                   <a:srgbClr val="FFFFFF"/>
                 </a:highlight>
               </a:rPr>
-              <a:t>P-value = 0.014691394219051454</a:t>
+              <a:t>P-value = </a:t>
             </a:r>
-            <a:endParaRPr sz="1250">
+            <a:r>
+              <a:rPr lang="en-US" sz="1250" dirty="0">
+                <a:highlight>
+                  <a:srgbClr val="FFFFFF"/>
+                </a:highlight>
+              </a:rPr>
+              <a:t>3.136712381433701e-07</a:t>
+            </a:r>
+            <a:endParaRPr sz="1250" dirty="0">
               <a:highlight>
                 <a:srgbClr val="FFFFFF"/>
               </a:highlight>
@@ -8908,7 +8782,7 @@
               </a:spcAft>
               <a:buNone/>
             </a:pPr>
-            <a:endParaRPr sz="1250">
+            <a:endParaRPr sz="1250" dirty="0">
               <a:highlight>
                 <a:srgbClr val="FFFFFF"/>
               </a:highlight>
@@ -8928,14 +8802,14 @@
               <a:buNone/>
             </a:pPr>
             <a:r>
-              <a:rPr lang="en" sz="1250">
+              <a:rPr lang="en" sz="1250" dirty="0">
                 <a:highlight>
                   <a:srgbClr val="FFFFFF"/>
                 </a:highlight>
               </a:rPr>
               <a:t>P-value &lt; 0.05</a:t>
             </a:r>
-            <a:endParaRPr sz="1250">
+            <a:endParaRPr sz="1250" dirty="0">
               <a:highlight>
                 <a:srgbClr val="FFFFFF"/>
               </a:highlight>
@@ -8954,7 +8828,7 @@
               </a:spcAft>
               <a:buNone/>
             </a:pPr>
-            <a:endParaRPr sz="1250">
+            <a:endParaRPr sz="1250" dirty="0">
               <a:highlight>
                 <a:srgbClr val="FFFFFF"/>
               </a:highlight>
@@ -8974,14 +8848,14 @@
               <a:buNone/>
             </a:pPr>
             <a:r>
-              <a:rPr lang="en" sz="1250">
+              <a:rPr lang="en" sz="1250" dirty="0">
                 <a:highlight>
                   <a:srgbClr val="FFFFFF"/>
                 </a:highlight>
               </a:rPr>
               <a:t>We can conclude that there is evidence to reject the null hypothesis.</a:t>
             </a:r>
-            <a:endParaRPr sz="1250">
+            <a:endParaRPr sz="1250" dirty="0">
               <a:highlight>
                 <a:srgbClr val="FFFFFF"/>
               </a:highlight>
@@ -9000,7 +8874,7 @@
               </a:spcAft>
               <a:buNone/>
             </a:pPr>
-            <a:endParaRPr sz="1050">
+            <a:endParaRPr sz="1050" dirty="0">
               <a:highlight>
                 <a:srgbClr val="FFFFFF"/>
               </a:highlight>
@@ -9016,7 +8890,7 @@
               </a:spcAft>
               <a:buNone/>
             </a:pPr>
-            <a:endParaRPr sz="1800">
+            <a:endParaRPr sz="1800" dirty="0">
               <a:solidFill>
                 <a:schemeClr val="dk2"/>
               </a:solidFill>
@@ -9056,460 +8930,6 @@
           </a:ln>
         </p:spPr>
       </p:pic>
-    </p:spTree>
-  </p:cSld>
-  <p:clrMapOvr>
-    <a:masterClrMapping/>
-  </p:clrMapOvr>
-</p:sld>
-</file>
-
-<file path=ppt/slides/slide13.xml><?xml version="1.0" encoding="utf-8"?>
-<p:sld xmlns:a="http://schemas.openxmlformats.org/drawingml/2006/main" xmlns:r="http://schemas.openxmlformats.org/officeDocument/2006/relationships" xmlns:p="http://schemas.openxmlformats.org/presentationml/2006/main">
-  <p:cSld>
-    <p:spTree>
-      <p:nvGrpSpPr>
-        <p:cNvPr id="1" name="Shape 152"/>
-        <p:cNvGrpSpPr/>
-        <p:nvPr/>
-      </p:nvGrpSpPr>
-      <p:grpSpPr>
-        <a:xfrm>
-          <a:off x="0" y="0"/>
-          <a:ext cx="0" cy="0"/>
-          <a:chOff x="0" y="0"/>
-          <a:chExt cx="0" cy="0"/>
-        </a:xfrm>
-      </p:grpSpPr>
-      <p:sp>
-        <p:nvSpPr>
-          <p:cNvPr id="153" name="Google Shape;153;p25"/>
-          <p:cNvSpPr txBox="1">
-            <a:spLocks noGrp="1"/>
-          </p:cNvSpPr>
-          <p:nvPr>
-            <p:ph type="title"/>
-          </p:nvPr>
-        </p:nvSpPr>
-        <p:spPr>
-          <a:xfrm>
-            <a:off x="311700" y="216425"/>
-            <a:ext cx="8520600" cy="707400"/>
-          </a:xfrm>
-          <a:prstGeom prst="rect">
-            <a:avLst/>
-          </a:prstGeom>
-        </p:spPr>
-        <p:txBody>
-          <a:bodyPr spcFirstLastPara="1" wrap="square" lIns="91425" tIns="91425" rIns="91425" bIns="91425" anchor="t" anchorCtr="0">
-            <a:normAutofit fontScale="90000"/>
-          </a:bodyPr>
-          <a:lstStyle/>
-          <a:p>
-            <a:pPr marL="0" lvl="0" indent="0" algn="l" rtl="0">
-              <a:spcBef>
-                <a:spcPts val="0"/>
-              </a:spcBef>
-              <a:spcAft>
-                <a:spcPts val="0"/>
-              </a:spcAft>
-              <a:buNone/>
-            </a:pPr>
-            <a:r>
-              <a:rPr lang="en"/>
-              <a:t>t-Test Comparison:  Female vs Male Mortality Rates</a:t>
-            </a:r>
-            <a:endParaRPr/>
-          </a:p>
-        </p:txBody>
-      </p:sp>
-      <p:pic>
-        <p:nvPicPr>
-          <p:cNvPr id="154" name="Google Shape;154;p25"/>
-          <p:cNvPicPr preferRelativeResize="0"/>
-          <p:nvPr/>
-        </p:nvPicPr>
-        <p:blipFill>
-          <a:blip r:embed="rId3">
-            <a:alphaModFix/>
-          </a:blip>
-          <a:stretch>
-            <a:fillRect/>
-          </a:stretch>
-        </p:blipFill>
-        <p:spPr>
-          <a:xfrm>
-            <a:off x="0" y="833775"/>
-            <a:ext cx="5219834" cy="3914875"/>
-          </a:xfrm>
-          <a:prstGeom prst="rect">
-            <a:avLst/>
-          </a:prstGeom>
-          <a:noFill/>
-          <a:ln>
-            <a:noFill/>
-          </a:ln>
-        </p:spPr>
-      </p:pic>
-      <p:sp>
-        <p:nvSpPr>
-          <p:cNvPr id="155" name="Google Shape;155;p25"/>
-          <p:cNvSpPr txBox="1"/>
-          <p:nvPr/>
-        </p:nvSpPr>
-        <p:spPr>
-          <a:xfrm>
-            <a:off x="5188350" y="1001775"/>
-            <a:ext cx="3827700" cy="3924900"/>
-          </a:xfrm>
-          <a:prstGeom prst="rect">
-            <a:avLst/>
-          </a:prstGeom>
-          <a:noFill/>
-          <a:ln>
-            <a:noFill/>
-          </a:ln>
-        </p:spPr>
-        <p:txBody>
-          <a:bodyPr spcFirstLastPara="1" wrap="square" lIns="91425" tIns="91425" rIns="91425" bIns="91425" anchor="t" anchorCtr="0">
-            <a:noAutofit/>
-          </a:bodyPr>
-          <a:lstStyle/>
-          <a:p>
-            <a:pPr marL="0" lvl="0" indent="0" algn="l" rtl="0">
-              <a:spcBef>
-                <a:spcPts val="0"/>
-              </a:spcBef>
-              <a:spcAft>
-                <a:spcPts val="0"/>
-              </a:spcAft>
-              <a:buNone/>
-            </a:pPr>
-            <a:r>
-              <a:rPr lang="en" sz="1250" b="1">
-                <a:solidFill>
-                  <a:schemeClr val="accent3"/>
-                </a:solidFill>
-                <a:highlight>
-                  <a:srgbClr val="FFFFFF"/>
-                </a:highlight>
-              </a:rPr>
-              <a:t>Is there a difference between the Female and Male mortality rates for population under 5 years old?</a:t>
-            </a:r>
-            <a:endParaRPr sz="1250" b="1">
-              <a:solidFill>
-                <a:schemeClr val="accent3"/>
-              </a:solidFill>
-              <a:highlight>
-                <a:srgbClr val="FFFFFF"/>
-              </a:highlight>
-            </a:endParaRPr>
-          </a:p>
-          <a:p>
-            <a:pPr marL="0" lvl="0" indent="0" algn="l" rtl="0">
-              <a:spcBef>
-                <a:spcPts val="0"/>
-              </a:spcBef>
-              <a:spcAft>
-                <a:spcPts val="0"/>
-              </a:spcAft>
-              <a:buNone/>
-            </a:pPr>
-            <a:endParaRPr sz="1250">
-              <a:highlight>
-                <a:srgbClr val="FFFFFF"/>
-              </a:highlight>
-            </a:endParaRPr>
-          </a:p>
-          <a:p>
-            <a:pPr marL="0" lvl="0" indent="0" algn="l" rtl="0">
-              <a:spcBef>
-                <a:spcPts val="0"/>
-              </a:spcBef>
-              <a:spcAft>
-                <a:spcPts val="0"/>
-              </a:spcAft>
-              <a:buNone/>
-            </a:pPr>
-            <a:r>
-              <a:rPr lang="en" sz="1250" b="1">
-                <a:highlight>
-                  <a:srgbClr val="FFFFFF"/>
-                </a:highlight>
-              </a:rPr>
-              <a:t>Alternate Hypothesis:</a:t>
-            </a:r>
-            <a:r>
-              <a:rPr lang="en" sz="1250">
-                <a:highlight>
-                  <a:srgbClr val="FFFFFF"/>
-                </a:highlight>
-              </a:rPr>
-              <a:t> There is a significant difference between the Female and Male mortality rates for population under 5 years old.</a:t>
-            </a:r>
-            <a:endParaRPr sz="1250">
-              <a:highlight>
-                <a:srgbClr val="FFFFFF"/>
-              </a:highlight>
-            </a:endParaRPr>
-          </a:p>
-          <a:p>
-            <a:pPr marL="0" lvl="0" indent="0" algn="l" rtl="0">
-              <a:spcBef>
-                <a:spcPts val="0"/>
-              </a:spcBef>
-              <a:spcAft>
-                <a:spcPts val="0"/>
-              </a:spcAft>
-              <a:buNone/>
-            </a:pPr>
-            <a:endParaRPr sz="1250">
-              <a:highlight>
-                <a:srgbClr val="FFFFFF"/>
-              </a:highlight>
-            </a:endParaRPr>
-          </a:p>
-          <a:p>
-            <a:pPr marL="0" lvl="0" indent="0" algn="l" rtl="0">
-              <a:lnSpc>
-                <a:spcPct val="115000"/>
-              </a:lnSpc>
-              <a:spcBef>
-                <a:spcPts val="0"/>
-              </a:spcBef>
-              <a:spcAft>
-                <a:spcPts val="0"/>
-              </a:spcAft>
-              <a:buNone/>
-            </a:pPr>
-            <a:r>
-              <a:rPr lang="en" sz="1250" b="1">
-                <a:highlight>
-                  <a:srgbClr val="FFFFFF"/>
-                </a:highlight>
-              </a:rPr>
-              <a:t>Null Hypothesis:</a:t>
-            </a:r>
-            <a:r>
-              <a:rPr lang="en" sz="1250">
-                <a:highlight>
-                  <a:srgbClr val="FFFFFF"/>
-                </a:highlight>
-              </a:rPr>
-              <a:t> There is NOT a significant difference between the Female and Male mortality rates for population under 5 years old.</a:t>
-            </a:r>
-            <a:endParaRPr sz="1250">
-              <a:highlight>
-                <a:srgbClr val="FFFFFF"/>
-              </a:highlight>
-            </a:endParaRPr>
-          </a:p>
-          <a:p>
-            <a:pPr marL="0" lvl="0" indent="0" algn="l" rtl="0">
-              <a:lnSpc>
-                <a:spcPct val="115000"/>
-              </a:lnSpc>
-              <a:spcBef>
-                <a:spcPts val="0"/>
-              </a:spcBef>
-              <a:spcAft>
-                <a:spcPts val="0"/>
-              </a:spcAft>
-              <a:buNone/>
-            </a:pPr>
-            <a:endParaRPr sz="1250">
-              <a:highlight>
-                <a:srgbClr val="FFFFFF"/>
-              </a:highlight>
-            </a:endParaRPr>
-          </a:p>
-          <a:p>
-            <a:pPr marL="0" lvl="0" indent="0" algn="l" rtl="0">
-              <a:lnSpc>
-                <a:spcPct val="115000"/>
-              </a:lnSpc>
-              <a:spcBef>
-                <a:spcPts val="0"/>
-              </a:spcBef>
-              <a:spcAft>
-                <a:spcPts val="0"/>
-              </a:spcAft>
-              <a:buNone/>
-            </a:pPr>
-            <a:r>
-              <a:rPr lang="en" sz="1250">
-                <a:highlight>
-                  <a:srgbClr val="FFFFFF"/>
-                </a:highlight>
-              </a:rPr>
-              <a:t>t-Test Result = -7.736177685637445</a:t>
-            </a:r>
-            <a:endParaRPr sz="1250">
-              <a:highlight>
-                <a:srgbClr val="FFFFFF"/>
-              </a:highlight>
-            </a:endParaRPr>
-          </a:p>
-          <a:p>
-            <a:pPr marL="0" lvl="0" indent="0" algn="l" rtl="0">
-              <a:lnSpc>
-                <a:spcPct val="115000"/>
-              </a:lnSpc>
-              <a:spcBef>
-                <a:spcPts val="0"/>
-              </a:spcBef>
-              <a:spcAft>
-                <a:spcPts val="0"/>
-              </a:spcAft>
-              <a:buNone/>
-            </a:pPr>
-            <a:r>
-              <a:rPr lang="en" sz="1250">
-                <a:highlight>
-                  <a:srgbClr val="FFFFFF"/>
-                </a:highlight>
-              </a:rPr>
-              <a:t>P-value = 9.908678073477023e-10</a:t>
-            </a:r>
-            <a:endParaRPr sz="1250">
-              <a:highlight>
-                <a:srgbClr val="FFFFFF"/>
-              </a:highlight>
-            </a:endParaRPr>
-          </a:p>
-          <a:p>
-            <a:pPr marL="0" lvl="0" indent="0" algn="l" rtl="0">
-              <a:lnSpc>
-                <a:spcPct val="115000"/>
-              </a:lnSpc>
-              <a:spcBef>
-                <a:spcPts val="0"/>
-              </a:spcBef>
-              <a:spcAft>
-                <a:spcPts val="0"/>
-              </a:spcAft>
-              <a:buNone/>
-            </a:pPr>
-            <a:endParaRPr sz="1250">
-              <a:highlight>
-                <a:srgbClr val="FFFFFF"/>
-              </a:highlight>
-            </a:endParaRPr>
-          </a:p>
-          <a:p>
-            <a:pPr marL="0" lvl="0" indent="0" algn="l" rtl="0">
-              <a:lnSpc>
-                <a:spcPct val="115000"/>
-              </a:lnSpc>
-              <a:spcBef>
-                <a:spcPts val="0"/>
-              </a:spcBef>
-              <a:spcAft>
-                <a:spcPts val="0"/>
-              </a:spcAft>
-              <a:buNone/>
-            </a:pPr>
-            <a:r>
-              <a:rPr lang="en" sz="1250">
-                <a:highlight>
-                  <a:srgbClr val="FFFFFF"/>
-                </a:highlight>
-              </a:rPr>
-              <a:t>P-value &lt; 0.05</a:t>
-            </a:r>
-            <a:endParaRPr sz="1250">
-              <a:highlight>
-                <a:srgbClr val="FFFFFF"/>
-              </a:highlight>
-            </a:endParaRPr>
-          </a:p>
-          <a:p>
-            <a:pPr marL="0" lvl="0" indent="0" algn="l" rtl="0">
-              <a:lnSpc>
-                <a:spcPct val="115000"/>
-              </a:lnSpc>
-              <a:spcBef>
-                <a:spcPts val="0"/>
-              </a:spcBef>
-              <a:spcAft>
-                <a:spcPts val="0"/>
-              </a:spcAft>
-              <a:buNone/>
-            </a:pPr>
-            <a:endParaRPr sz="1250">
-              <a:highlight>
-                <a:srgbClr val="FFFFFF"/>
-              </a:highlight>
-            </a:endParaRPr>
-          </a:p>
-          <a:p>
-            <a:pPr marL="0" lvl="0" indent="0" algn="l" rtl="0">
-              <a:lnSpc>
-                <a:spcPct val="115000"/>
-              </a:lnSpc>
-              <a:spcBef>
-                <a:spcPts val="0"/>
-              </a:spcBef>
-              <a:spcAft>
-                <a:spcPts val="0"/>
-              </a:spcAft>
-              <a:buNone/>
-            </a:pPr>
-            <a:r>
-              <a:rPr lang="en" sz="1250">
-                <a:highlight>
-                  <a:srgbClr val="FFFFFF"/>
-                </a:highlight>
-              </a:rPr>
-              <a:t>We can conclude that there is evidence to reject the null hypothesis.</a:t>
-            </a:r>
-            <a:endParaRPr sz="1250">
-              <a:highlight>
-                <a:srgbClr val="FFFFFF"/>
-              </a:highlight>
-            </a:endParaRPr>
-          </a:p>
-          <a:p>
-            <a:pPr marL="0" lvl="0" indent="0" algn="l" rtl="0">
-              <a:lnSpc>
-                <a:spcPct val="115000"/>
-              </a:lnSpc>
-              <a:spcBef>
-                <a:spcPts val="0"/>
-              </a:spcBef>
-              <a:spcAft>
-                <a:spcPts val="0"/>
-              </a:spcAft>
-              <a:buNone/>
-            </a:pPr>
-            <a:endParaRPr sz="1050">
-              <a:highlight>
-                <a:srgbClr val="FFFFFF"/>
-              </a:highlight>
-            </a:endParaRPr>
-          </a:p>
-          <a:p>
-            <a:pPr marL="0" lvl="0" indent="0" algn="l" rtl="0">
-              <a:spcBef>
-                <a:spcPts val="0"/>
-              </a:spcBef>
-              <a:spcAft>
-                <a:spcPts val="0"/>
-              </a:spcAft>
-              <a:buNone/>
-            </a:pPr>
-            <a:endParaRPr sz="1800">
-              <a:solidFill>
-                <a:schemeClr val="dk2"/>
-              </a:solidFill>
-              <a:latin typeface="Open Sans"/>
-              <a:ea typeface="Open Sans"/>
-              <a:cs typeface="Open Sans"/>
-              <a:sym typeface="Open Sans"/>
-            </a:endParaRPr>
-          </a:p>
-        </p:txBody>
-      </p:sp>
     </p:spTree>
   </p:cSld>
   <p:clrMapOvr>
